--- a/Cat Encounters_GTA Numbers_01-Apr-2022 to 31-Mar-2023.pptx
+++ b/Cat Encounters_GTA Numbers_01-Apr-2022 to 31-Mar-2023.pptx
@@ -1579,6 +1579,39 @@
     </pc:docChg>
   </pc:docChgLst>
   <pc:docChgLst>
+    <pc:chgData name="Rieck, Jennifer (HC/SC)" userId="f15338df-41bc-4de2-9c55-7e5b1761acd3" providerId="ADAL" clId="{15F4335D-6335-43BA-A6A6-0196B4DBD3AC}"/>
+    <pc:docChg chg="modMainMaster">
+      <pc:chgData name="Rieck, Jennifer (HC/SC)" userId="f15338df-41bc-4de2-9c55-7e5b1761acd3" providerId="ADAL" clId="{15F4335D-6335-43BA-A6A6-0196B4DBD3AC}" dt="2023-04-11T14:25:15.548" v="1" actId="404"/>
+      <pc:docMkLst>
+        <pc:docMk/>
+      </pc:docMkLst>
+      <pc:sldMasterChg chg="modSldLayout">
+        <pc:chgData name="Rieck, Jennifer (HC/SC)" userId="f15338df-41bc-4de2-9c55-7e5b1761acd3" providerId="ADAL" clId="{15F4335D-6335-43BA-A6A6-0196B4DBD3AC}" dt="2023-04-11T14:25:15.548" v="1" actId="404"/>
+        <pc:sldMasterMkLst>
+          <pc:docMk/>
+          <pc:sldMasterMk cId="0" sldId="2147483913"/>
+        </pc:sldMasterMkLst>
+        <pc:sldLayoutChg chg="modSp mod">
+          <pc:chgData name="Rieck, Jennifer (HC/SC)" userId="f15338df-41bc-4de2-9c55-7e5b1761acd3" providerId="ADAL" clId="{15F4335D-6335-43BA-A6A6-0196B4DBD3AC}" dt="2023-04-11T14:25:15.548" v="1" actId="404"/>
+          <pc:sldLayoutMkLst>
+            <pc:docMk/>
+            <pc:sldMasterMk cId="0" sldId="2147483913"/>
+            <pc:sldLayoutMk cId="325640250" sldId="2147483991"/>
+          </pc:sldLayoutMkLst>
+          <pc:spChg chg="mod">
+            <ac:chgData name="Rieck, Jennifer (HC/SC)" userId="f15338df-41bc-4de2-9c55-7e5b1761acd3" providerId="ADAL" clId="{15F4335D-6335-43BA-A6A6-0196B4DBD3AC}" dt="2023-04-11T14:25:15.548" v="1" actId="404"/>
+            <ac:spMkLst>
+              <pc:docMk/>
+              <pc:sldMasterMk cId="0" sldId="2147483913"/>
+              <pc:sldLayoutMk cId="325640250" sldId="2147483991"/>
+              <ac:spMk id="20" creationId="{F4C4B83A-261A-F198-9099-6144D1A473D1}"/>
+            </ac:spMkLst>
+          </pc:spChg>
+        </pc:sldLayoutChg>
+      </pc:sldMasterChg>
+    </pc:docChg>
+  </pc:docChgLst>
+  <pc:docChgLst>
     <pc:chgData name="Rieck, Jennifer (HC/SC)" userId="f15338df-41bc-4de2-9c55-7e5b1761acd3" providerId="ADAL" clId="{8E5374F7-015C-4905-AFDC-A1474C2F28F4}"/>
     <pc:docChg chg="modMainMaster">
       <pc:chgData name="Rieck, Jennifer (HC/SC)" userId="f15338df-41bc-4de2-9c55-7e5b1761acd3" providerId="ADAL" clId="{8E5374F7-015C-4905-AFDC-A1474C2F28F4}" dt="2023-04-11T17:09:46.049" v="20"/>
@@ -1665,43 +1698,10 @@
       </pc:sldMasterChg>
     </pc:docChg>
   </pc:docChgLst>
-  <pc:docChgLst>
-    <pc:chgData name="Rieck, Jennifer (HC/SC)" userId="f15338df-41bc-4de2-9c55-7e5b1761acd3" providerId="ADAL" clId="{15F4335D-6335-43BA-A6A6-0196B4DBD3AC}"/>
-    <pc:docChg chg="modMainMaster">
-      <pc:chgData name="Rieck, Jennifer (HC/SC)" userId="f15338df-41bc-4de2-9c55-7e5b1761acd3" providerId="ADAL" clId="{15F4335D-6335-43BA-A6A6-0196B4DBD3AC}" dt="2023-04-11T14:25:15.548" v="1" actId="404"/>
-      <pc:docMkLst>
-        <pc:docMk/>
-      </pc:docMkLst>
-      <pc:sldMasterChg chg="modSldLayout">
-        <pc:chgData name="Rieck, Jennifer (HC/SC)" userId="f15338df-41bc-4de2-9c55-7e5b1761acd3" providerId="ADAL" clId="{15F4335D-6335-43BA-A6A6-0196B4DBD3AC}" dt="2023-04-11T14:25:15.548" v="1" actId="404"/>
-        <pc:sldMasterMkLst>
-          <pc:docMk/>
-          <pc:sldMasterMk cId="0" sldId="2147483913"/>
-        </pc:sldMasterMkLst>
-        <pc:sldLayoutChg chg="modSp mod">
-          <pc:chgData name="Rieck, Jennifer (HC/SC)" userId="f15338df-41bc-4de2-9c55-7e5b1761acd3" providerId="ADAL" clId="{15F4335D-6335-43BA-A6A6-0196B4DBD3AC}" dt="2023-04-11T14:25:15.548" v="1" actId="404"/>
-          <pc:sldLayoutMkLst>
-            <pc:docMk/>
-            <pc:sldMasterMk cId="0" sldId="2147483913"/>
-            <pc:sldLayoutMk cId="325640250" sldId="2147483991"/>
-          </pc:sldLayoutMkLst>
-          <pc:spChg chg="mod">
-            <ac:chgData name="Rieck, Jennifer (HC/SC)" userId="f15338df-41bc-4de2-9c55-7e5b1761acd3" providerId="ADAL" clId="{15F4335D-6335-43BA-A6A6-0196B4DBD3AC}" dt="2023-04-11T14:25:15.548" v="1" actId="404"/>
-            <ac:spMkLst>
-              <pc:docMk/>
-              <pc:sldMasterMk cId="0" sldId="2147483913"/>
-              <pc:sldLayoutMk cId="325640250" sldId="2147483991"/>
-              <ac:spMk id="20" creationId="{F4C4B83A-261A-F198-9099-6144D1A473D1}"/>
-            </ac:spMkLst>
-          </pc:spChg>
-        </pc:sldLayoutChg>
-      </pc:sldMasterChg>
-    </pc:docChg>
-  </pc:docChgLst>
 </pc:chgInfo>
 </file>
 
-<file path=ppt/charts/chart1a8361b5696.xml><?xml version="1.0" encoding="utf-8"?>
+<file path=ppt/charts/chart732069fb341.xml><?xml version="1.0" encoding="utf-8"?>
 <c:chartSpace xmlns:c="http://schemas.openxmlformats.org/drawingml/2006/chart" xmlns:a="http://schemas.openxmlformats.org/drawingml/2006/main" xmlns:r="http://schemas.openxmlformats.org/officeDocument/2006/relationships">
   <c:date1904 val="0"/>
   <c:lang val="fr-FR"/>
@@ -6537,7 +6537,7 @@
           <a:p>
             <a:fld id="{9238D30A-C4D9-4706-A3BC-D7B1F66AC7AA}" type="datetimeFigureOut">
               <a:rPr lang="en-CA" smtClean="0"/>
-              <a:t>2024-03-27</a:t>
+              <a:t>2024-03-30</a:t>
             </a:fld>
             <a:endParaRPr lang="en-CA"/>
           </a:p>
@@ -7083,7 +7083,7 @@
           <a:p>
             <a:fld id="{FAE7665C-0A6A-4A28-87E2-92D571E7537D}" type="datetime3">
               <a:rPr lang="en-CA" smtClean="0"/>
-              <a:t>27 March 2024</a:t>
+              <a:t>30 March 2024</a:t>
             </a:fld>
             <a:endParaRPr lang="en-CA" dirty="0"/>
           </a:p>
@@ -7494,7 +7494,7 @@
           <p:spPr>
             <a:xfrm>
               <a:off x="746771" y="1863365"/>
-              <a:ext cx="1013530" cy="3201153"/>
+              <a:ext cx="1049906" cy="3201153"/>
             </a:xfrm>
             <a:prstGeom prst="rect">
               <a:avLst/>
@@ -7515,20 +7515,20 @@
           <p:spPr>
             <a:xfrm>
               <a:off x="746771" y="4387964"/>
-              <a:ext cx="1013530" cy="0"/>
+              <a:ext cx="1049906" cy="0"/>
             </a:xfrm>
             <a:custGeom>
               <a:avLst/>
               <a:pathLst>
-                <a:path w="1013530" h="0">
+                <a:path w="1049906" h="0">
                   <a:moveTo>
                     <a:pt x="0" y="0"/>
                   </a:moveTo>
                   <a:lnTo>
-                    <a:pt x="1013530" y="0"/>
+                    <a:pt x="1049906" y="0"/>
                   </a:lnTo>
                   <a:lnTo>
-                    <a:pt x="1013530" y="0"/>
+                    <a:pt x="1049906" y="0"/>
                   </a:lnTo>
                 </a:path>
               </a:pathLst>
@@ -7558,20 +7558,20 @@
           <p:spPr>
             <a:xfrm>
               <a:off x="746771" y="3325869"/>
-              <a:ext cx="1013530" cy="0"/>
+              <a:ext cx="1049906" cy="0"/>
             </a:xfrm>
             <a:custGeom>
               <a:avLst/>
               <a:pathLst>
-                <a:path w="1013530" h="0">
+                <a:path w="1049906" h="0">
                   <a:moveTo>
                     <a:pt x="0" y="0"/>
                   </a:moveTo>
                   <a:lnTo>
-                    <a:pt x="1013530" y="0"/>
+                    <a:pt x="1049906" y="0"/>
                   </a:lnTo>
                   <a:lnTo>
-                    <a:pt x="1013530" y="0"/>
+                    <a:pt x="1049906" y="0"/>
                   </a:lnTo>
                 </a:path>
               </a:pathLst>
@@ -7601,20 +7601,20 @@
           <p:spPr>
             <a:xfrm>
               <a:off x="746771" y="2263774"/>
-              <a:ext cx="1013530" cy="0"/>
+              <a:ext cx="1049906" cy="0"/>
             </a:xfrm>
             <a:custGeom>
               <a:avLst/>
               <a:pathLst>
-                <a:path w="1013530" h="0">
+                <a:path w="1049906" h="0">
                   <a:moveTo>
                     <a:pt x="0" y="0"/>
                   </a:moveTo>
                   <a:lnTo>
-                    <a:pt x="1013530" y="0"/>
+                    <a:pt x="1049906" y="0"/>
                   </a:lnTo>
                   <a:lnTo>
-                    <a:pt x="1013530" y="0"/>
+                    <a:pt x="1049906" y="0"/>
                   </a:lnTo>
                 </a:path>
               </a:pathLst>
@@ -7644,20 +7644,20 @@
           <p:spPr>
             <a:xfrm>
               <a:off x="746771" y="4919011"/>
-              <a:ext cx="1013530" cy="0"/>
+              <a:ext cx="1049906" cy="0"/>
             </a:xfrm>
             <a:custGeom>
               <a:avLst/>
               <a:pathLst>
-                <a:path w="1013530" h="0">
+                <a:path w="1049906" h="0">
                   <a:moveTo>
                     <a:pt x="0" y="0"/>
                   </a:moveTo>
                   <a:lnTo>
-                    <a:pt x="1013530" y="0"/>
+                    <a:pt x="1049906" y="0"/>
                   </a:lnTo>
                   <a:lnTo>
-                    <a:pt x="1013530" y="0"/>
+                    <a:pt x="1049906" y="0"/>
                   </a:lnTo>
                 </a:path>
               </a:pathLst>
@@ -7687,20 +7687,20 @@
           <p:spPr>
             <a:xfrm>
               <a:off x="746771" y="3856916"/>
-              <a:ext cx="1013530" cy="0"/>
+              <a:ext cx="1049906" cy="0"/>
             </a:xfrm>
             <a:custGeom>
               <a:avLst/>
               <a:pathLst>
-                <a:path w="1013530" h="0">
+                <a:path w="1049906" h="0">
                   <a:moveTo>
                     <a:pt x="0" y="0"/>
                   </a:moveTo>
                   <a:lnTo>
-                    <a:pt x="1013530" y="0"/>
+                    <a:pt x="1049906" y="0"/>
                   </a:lnTo>
                   <a:lnTo>
-                    <a:pt x="1013530" y="0"/>
+                    <a:pt x="1049906" y="0"/>
                   </a:lnTo>
                 </a:path>
               </a:pathLst>
@@ -7730,20 +7730,20 @@
           <p:spPr>
             <a:xfrm>
               <a:off x="746771" y="2794822"/>
-              <a:ext cx="1013530" cy="0"/>
+              <a:ext cx="1049906" cy="0"/>
             </a:xfrm>
             <a:custGeom>
               <a:avLst/>
               <a:pathLst>
-                <a:path w="1013530" h="0">
+                <a:path w="1049906" h="0">
                   <a:moveTo>
                     <a:pt x="0" y="0"/>
                   </a:moveTo>
                   <a:lnTo>
-                    <a:pt x="1013530" y="0"/>
+                    <a:pt x="1049906" y="0"/>
                   </a:lnTo>
                   <a:lnTo>
-                    <a:pt x="1013530" y="0"/>
+                    <a:pt x="1049906" y="0"/>
                   </a:lnTo>
                 </a:path>
               </a:pathLst>
@@ -7772,8 +7772,8 @@
           </p:nvSpPr>
           <p:spPr>
             <a:xfrm>
-              <a:off x="794280" y="4111819"/>
-              <a:ext cx="285055" cy="807191"/>
+              <a:off x="795985" y="4111819"/>
+              <a:ext cx="295286" cy="807191"/>
             </a:xfrm>
             <a:prstGeom prst="rect">
               <a:avLst/>
@@ -7783,7 +7783,7 @@
                 <a:alpha val="100000"/>
               </a:srgbClr>
             </a:solidFill>
-            <a:ln w="13550" cap="sq">
+            <a:ln w="13550" cap="flat">
               <a:solidFill>
                 <a:srgbClr val="FFFFFF">
                   <a:alpha val="100000"/>
@@ -7807,8 +7807,8 @@
           </p:nvSpPr>
           <p:spPr>
             <a:xfrm>
-              <a:off x="794280" y="3644497"/>
-              <a:ext cx="285055" cy="467321"/>
+              <a:off x="795985" y="3644497"/>
+              <a:ext cx="295286" cy="467321"/>
             </a:xfrm>
             <a:prstGeom prst="rect">
               <a:avLst/>
@@ -7818,7 +7818,7 @@
                 <a:alpha val="100000"/>
               </a:srgbClr>
             </a:solidFill>
-            <a:ln w="13550" cap="sq">
+            <a:ln w="13550" cap="flat">
               <a:solidFill>
                 <a:srgbClr val="FFFFFF">
                   <a:alpha val="100000"/>
@@ -7842,8 +7842,8 @@
           </p:nvSpPr>
           <p:spPr>
             <a:xfrm>
-              <a:off x="794280" y="3113450"/>
-              <a:ext cx="285055" cy="531047"/>
+              <a:off x="795985" y="3113450"/>
+              <a:ext cx="295286" cy="531047"/>
             </a:xfrm>
             <a:prstGeom prst="rect">
               <a:avLst/>
@@ -7853,7 +7853,7 @@
                 <a:alpha val="100000"/>
               </a:srgbClr>
             </a:solidFill>
-            <a:ln w="13550" cap="sq">
+            <a:ln w="13550" cap="flat">
               <a:solidFill>
                 <a:srgbClr val="FFFFFF">
                   <a:alpha val="100000"/>
@@ -7877,8 +7877,8 @@
           </p:nvSpPr>
           <p:spPr>
             <a:xfrm>
-              <a:off x="794280" y="3113450"/>
-              <a:ext cx="285055" cy="0"/>
+              <a:off x="795985" y="3113450"/>
+              <a:ext cx="295286" cy="0"/>
             </a:xfrm>
             <a:prstGeom prst="rect">
               <a:avLst/>
@@ -7888,7 +7888,7 @@
                 <a:alpha val="100000"/>
               </a:srgbClr>
             </a:solidFill>
-            <a:ln w="13550" cap="sq">
+            <a:ln w="13550" cap="flat">
               <a:solidFill>
                 <a:srgbClr val="FFFFFF">
                   <a:alpha val="100000"/>
@@ -7912,8 +7912,8 @@
           </p:nvSpPr>
           <p:spPr>
             <a:xfrm>
-              <a:off x="794280" y="3113450"/>
-              <a:ext cx="285055" cy="0"/>
+              <a:off x="795985" y="3113450"/>
+              <a:ext cx="295286" cy="0"/>
             </a:xfrm>
             <a:prstGeom prst="rect">
               <a:avLst/>
@@ -7923,7 +7923,7 @@
                 <a:alpha val="100000"/>
               </a:srgbClr>
             </a:solidFill>
-            <a:ln w="13550" cap="sq">
+            <a:ln w="13550" cap="flat">
               <a:solidFill>
                 <a:srgbClr val="FFFFFF">
                   <a:alpha val="100000"/>
@@ -7947,8 +7947,8 @@
           </p:nvSpPr>
           <p:spPr>
             <a:xfrm>
-              <a:off x="1111008" y="4005609"/>
-              <a:ext cx="285055" cy="913401"/>
+              <a:off x="1124081" y="4005609"/>
+              <a:ext cx="295286" cy="913401"/>
             </a:xfrm>
             <a:prstGeom prst="rect">
               <a:avLst/>
@@ -7958,7 +7958,7 @@
                 <a:alpha val="100000"/>
               </a:srgbClr>
             </a:solidFill>
-            <a:ln w="13550" cap="sq">
+            <a:ln w="13550" cap="flat">
               <a:solidFill>
                 <a:srgbClr val="FFFFFF">
                   <a:alpha val="100000"/>
@@ -7982,8 +7982,8 @@
           </p:nvSpPr>
           <p:spPr>
             <a:xfrm>
-              <a:off x="1111008" y="3665739"/>
-              <a:ext cx="285055" cy="339870"/>
+              <a:off x="1124081" y="3665739"/>
+              <a:ext cx="295286" cy="339870"/>
             </a:xfrm>
             <a:prstGeom prst="rect">
               <a:avLst/>
@@ -7993,7 +7993,7 @@
                 <a:alpha val="100000"/>
               </a:srgbClr>
             </a:solidFill>
-            <a:ln w="13550" cap="sq">
+            <a:ln w="13550" cap="flat">
               <a:solidFill>
                 <a:srgbClr val="FFFFFF">
                   <a:alpha val="100000"/>
@@ -8017,8 +8017,8 @@
           </p:nvSpPr>
           <p:spPr>
             <a:xfrm>
-              <a:off x="1111008" y="2964757"/>
-              <a:ext cx="285055" cy="700982"/>
+              <a:off x="1124081" y="2964757"/>
+              <a:ext cx="295286" cy="700982"/>
             </a:xfrm>
             <a:prstGeom prst="rect">
               <a:avLst/>
@@ -8028,7 +8028,7 @@
                 <a:alpha val="100000"/>
               </a:srgbClr>
             </a:solidFill>
-            <a:ln w="13550" cap="sq">
+            <a:ln w="13550" cap="flat">
               <a:solidFill>
                 <a:srgbClr val="FFFFFF">
                   <a:alpha val="100000"/>
@@ -8052,8 +8052,8 @@
           </p:nvSpPr>
           <p:spPr>
             <a:xfrm>
-              <a:off x="1111008" y="2794822"/>
-              <a:ext cx="285055" cy="169935"/>
+              <a:off x="1124081" y="2794822"/>
+              <a:ext cx="295286" cy="169935"/>
             </a:xfrm>
             <a:prstGeom prst="rect">
               <a:avLst/>
@@ -8063,7 +8063,7 @@
                 <a:alpha val="100000"/>
               </a:srgbClr>
             </a:solidFill>
-            <a:ln w="13550" cap="sq">
+            <a:ln w="13550" cap="flat">
               <a:solidFill>
                 <a:srgbClr val="FFFFFF">
                   <a:alpha val="100000"/>
@@ -8087,8 +8087,8 @@
           </p:nvSpPr>
           <p:spPr>
             <a:xfrm>
-              <a:off x="1111008" y="2794822"/>
-              <a:ext cx="285055" cy="0"/>
+              <a:off x="1124081" y="2794822"/>
+              <a:ext cx="295286" cy="0"/>
             </a:xfrm>
             <a:prstGeom prst="rect">
               <a:avLst/>
@@ -8098,7 +8098,7 @@
                 <a:alpha val="100000"/>
               </a:srgbClr>
             </a:solidFill>
-            <a:ln w="13550" cap="sq">
+            <a:ln w="13550" cap="flat">
               <a:solidFill>
                 <a:srgbClr val="FFFFFF">
                   <a:alpha val="100000"/>
@@ -8122,8 +8122,8 @@
           </p:nvSpPr>
           <p:spPr>
             <a:xfrm>
-              <a:off x="1427736" y="4409205"/>
-              <a:ext cx="285055" cy="509805"/>
+              <a:off x="1452176" y="4409205"/>
+              <a:ext cx="295286" cy="509805"/>
             </a:xfrm>
             <a:prstGeom prst="rect">
               <a:avLst/>
@@ -8133,7 +8133,7 @@
                 <a:alpha val="100000"/>
               </a:srgbClr>
             </a:solidFill>
-            <a:ln w="13550" cap="sq">
+            <a:ln w="13550" cap="flat">
               <a:solidFill>
                 <a:srgbClr val="FFFFFF">
                   <a:alpha val="100000"/>
@@ -8157,8 +8157,8 @@
           </p:nvSpPr>
           <p:spPr>
             <a:xfrm>
-              <a:off x="1427736" y="3750707"/>
-              <a:ext cx="285055" cy="658498"/>
+              <a:off x="1452176" y="3750707"/>
+              <a:ext cx="295286" cy="658498"/>
             </a:xfrm>
             <a:prstGeom prst="rect">
               <a:avLst/>
@@ -8168,7 +8168,7 @@
                 <a:alpha val="100000"/>
               </a:srgbClr>
             </a:solidFill>
-            <a:ln w="13550" cap="sq">
+            <a:ln w="13550" cap="flat">
               <a:solidFill>
                 <a:srgbClr val="FFFFFF">
                   <a:alpha val="100000"/>
@@ -8192,8 +8192,8 @@
           </p:nvSpPr>
           <p:spPr>
             <a:xfrm>
-              <a:off x="1427736" y="3750707"/>
-              <a:ext cx="285055" cy="0"/>
+              <a:off x="1452176" y="3750707"/>
+              <a:ext cx="295286" cy="0"/>
             </a:xfrm>
             <a:prstGeom prst="rect">
               <a:avLst/>
@@ -8203,7 +8203,7 @@
                 <a:alpha val="100000"/>
               </a:srgbClr>
             </a:solidFill>
-            <a:ln w="13550" cap="sq">
+            <a:ln w="13550" cap="flat">
               <a:solidFill>
                 <a:srgbClr val="FFFFFF">
                   <a:alpha val="100000"/>
@@ -8227,8 +8227,8 @@
           </p:nvSpPr>
           <p:spPr>
             <a:xfrm>
-              <a:off x="1427736" y="3665739"/>
-              <a:ext cx="285055" cy="84967"/>
+              <a:off x="1452176" y="3665739"/>
+              <a:ext cx="295286" cy="84967"/>
             </a:xfrm>
             <a:prstGeom prst="rect">
               <a:avLst/>
@@ -8238,7 +8238,7 @@
                 <a:alpha val="100000"/>
               </a:srgbClr>
             </a:solidFill>
-            <a:ln w="13550" cap="sq">
+            <a:ln w="13550" cap="flat">
               <a:solidFill>
                 <a:srgbClr val="FFFFFF">
                   <a:alpha val="100000"/>
@@ -8262,8 +8262,8 @@
           </p:nvSpPr>
           <p:spPr>
             <a:xfrm>
-              <a:off x="1427736" y="3368353"/>
-              <a:ext cx="285055" cy="297386"/>
+              <a:off x="1452176" y="3368353"/>
+              <a:ext cx="295286" cy="297386"/>
             </a:xfrm>
             <a:prstGeom prst="rect">
               <a:avLst/>
@@ -8273,7 +8273,7 @@
                 <a:alpha val="100000"/>
               </a:srgbClr>
             </a:solidFill>
-            <a:ln w="13550" cap="sq">
+            <a:ln w="13550" cap="flat">
               <a:solidFill>
                 <a:srgbClr val="FFFFFF">
                   <a:alpha val="100000"/>
@@ -8297,8 +8297,8 @@
           </p:nvSpPr>
           <p:spPr>
             <a:xfrm>
-              <a:off x="1760301" y="1863365"/>
-              <a:ext cx="1013530" cy="3201153"/>
+              <a:off x="1796677" y="1863365"/>
+              <a:ext cx="1049906" cy="3201153"/>
             </a:xfrm>
             <a:prstGeom prst="rect">
               <a:avLst/>
@@ -8318,21 +8318,21 @@
           </p:nvSpPr>
           <p:spPr>
             <a:xfrm>
-              <a:off x="1760301" y="4387964"/>
-              <a:ext cx="1013530" cy="0"/>
+              <a:off x="1796677" y="4387964"/>
+              <a:ext cx="1049906" cy="0"/>
             </a:xfrm>
             <a:custGeom>
               <a:avLst/>
               <a:pathLst>
-                <a:path w="1013530" h="0">
+                <a:path w="1049906" h="0">
                   <a:moveTo>
                     <a:pt x="0" y="0"/>
                   </a:moveTo>
                   <a:lnTo>
-                    <a:pt x="1013530" y="0"/>
+                    <a:pt x="1049906" y="0"/>
                   </a:lnTo>
                   <a:lnTo>
-                    <a:pt x="1013530" y="0"/>
+                    <a:pt x="1049906" y="0"/>
                   </a:lnTo>
                 </a:path>
               </a:pathLst>
@@ -8361,21 +8361,21 @@
           </p:nvSpPr>
           <p:spPr>
             <a:xfrm>
-              <a:off x="1760301" y="3325869"/>
-              <a:ext cx="1013530" cy="0"/>
+              <a:off x="1796677" y="3325869"/>
+              <a:ext cx="1049906" cy="0"/>
             </a:xfrm>
             <a:custGeom>
               <a:avLst/>
               <a:pathLst>
-                <a:path w="1013530" h="0">
+                <a:path w="1049906" h="0">
                   <a:moveTo>
                     <a:pt x="0" y="0"/>
                   </a:moveTo>
                   <a:lnTo>
-                    <a:pt x="1013530" y="0"/>
+                    <a:pt x="1049906" y="0"/>
                   </a:lnTo>
                   <a:lnTo>
-                    <a:pt x="1013530" y="0"/>
+                    <a:pt x="1049906" y="0"/>
                   </a:lnTo>
                 </a:path>
               </a:pathLst>
@@ -8404,21 +8404,21 @@
           </p:nvSpPr>
           <p:spPr>
             <a:xfrm>
-              <a:off x="1760301" y="2263774"/>
-              <a:ext cx="1013530" cy="0"/>
+              <a:off x="1796677" y="2263774"/>
+              <a:ext cx="1049906" cy="0"/>
             </a:xfrm>
             <a:custGeom>
               <a:avLst/>
               <a:pathLst>
-                <a:path w="1013530" h="0">
+                <a:path w="1049906" h="0">
                   <a:moveTo>
                     <a:pt x="0" y="0"/>
                   </a:moveTo>
                   <a:lnTo>
-                    <a:pt x="1013530" y="0"/>
+                    <a:pt x="1049906" y="0"/>
                   </a:lnTo>
                   <a:lnTo>
-                    <a:pt x="1013530" y="0"/>
+                    <a:pt x="1049906" y="0"/>
                   </a:lnTo>
                 </a:path>
               </a:pathLst>
@@ -8447,21 +8447,21 @@
           </p:nvSpPr>
           <p:spPr>
             <a:xfrm>
-              <a:off x="1760301" y="4919011"/>
-              <a:ext cx="1013530" cy="0"/>
+              <a:off x="1796677" y="4919011"/>
+              <a:ext cx="1049906" cy="0"/>
             </a:xfrm>
             <a:custGeom>
               <a:avLst/>
               <a:pathLst>
-                <a:path w="1013530" h="0">
+                <a:path w="1049906" h="0">
                   <a:moveTo>
                     <a:pt x="0" y="0"/>
                   </a:moveTo>
                   <a:lnTo>
-                    <a:pt x="1013530" y="0"/>
+                    <a:pt x="1049906" y="0"/>
                   </a:lnTo>
                   <a:lnTo>
-                    <a:pt x="1013530" y="0"/>
+                    <a:pt x="1049906" y="0"/>
                   </a:lnTo>
                 </a:path>
               </a:pathLst>
@@ -8490,21 +8490,21 @@
           </p:nvSpPr>
           <p:spPr>
             <a:xfrm>
-              <a:off x="1760301" y="3856916"/>
-              <a:ext cx="1013530" cy="0"/>
+              <a:off x="1796677" y="3856916"/>
+              <a:ext cx="1049906" cy="0"/>
             </a:xfrm>
             <a:custGeom>
               <a:avLst/>
               <a:pathLst>
-                <a:path w="1013530" h="0">
+                <a:path w="1049906" h="0">
                   <a:moveTo>
                     <a:pt x="0" y="0"/>
                   </a:moveTo>
                   <a:lnTo>
-                    <a:pt x="1013530" y="0"/>
+                    <a:pt x="1049906" y="0"/>
                   </a:lnTo>
                   <a:lnTo>
-                    <a:pt x="1013530" y="0"/>
+                    <a:pt x="1049906" y="0"/>
                   </a:lnTo>
                 </a:path>
               </a:pathLst>
@@ -8533,21 +8533,21 @@
           </p:nvSpPr>
           <p:spPr>
             <a:xfrm>
-              <a:off x="1760301" y="2794822"/>
-              <a:ext cx="1013530" cy="0"/>
+              <a:off x="1796677" y="2794822"/>
+              <a:ext cx="1049906" cy="0"/>
             </a:xfrm>
             <a:custGeom>
               <a:avLst/>
               <a:pathLst>
-                <a:path w="1013530" h="0">
+                <a:path w="1049906" h="0">
                   <a:moveTo>
                     <a:pt x="0" y="0"/>
                   </a:moveTo>
                   <a:lnTo>
-                    <a:pt x="1013530" y="0"/>
+                    <a:pt x="1049906" y="0"/>
                   </a:lnTo>
                   <a:lnTo>
-                    <a:pt x="1013530" y="0"/>
+                    <a:pt x="1049906" y="0"/>
                   </a:lnTo>
                 </a:path>
               </a:pathLst>
@@ -8576,8 +8576,8 @@
           </p:nvSpPr>
           <p:spPr>
             <a:xfrm>
-              <a:off x="1807810" y="4302996"/>
-              <a:ext cx="285055" cy="616014"/>
+              <a:off x="1845891" y="4302996"/>
+              <a:ext cx="295286" cy="616014"/>
             </a:xfrm>
             <a:prstGeom prst="rect">
               <a:avLst/>
@@ -8587,7 +8587,7 @@
                 <a:alpha val="100000"/>
               </a:srgbClr>
             </a:solidFill>
-            <a:ln w="13550" cap="sq">
+            <a:ln w="13550" cap="flat">
               <a:solidFill>
                 <a:srgbClr val="FFFFFF">
                   <a:alpha val="100000"/>
@@ -8611,8 +8611,8 @@
           </p:nvSpPr>
           <p:spPr>
             <a:xfrm>
-              <a:off x="1807810" y="3920642"/>
-              <a:ext cx="285055" cy="382354"/>
+              <a:off x="1845891" y="3920642"/>
+              <a:ext cx="295286" cy="382354"/>
             </a:xfrm>
             <a:prstGeom prst="rect">
               <a:avLst/>
@@ -8622,7 +8622,7 @@
                 <a:alpha val="100000"/>
               </a:srgbClr>
             </a:solidFill>
-            <a:ln w="13550" cap="sq">
+            <a:ln w="13550" cap="flat">
               <a:solidFill>
                 <a:srgbClr val="FFFFFF">
                   <a:alpha val="100000"/>
@@ -8646,8 +8646,8 @@
           </p:nvSpPr>
           <p:spPr>
             <a:xfrm>
-              <a:off x="1807810" y="3644497"/>
-              <a:ext cx="285055" cy="276144"/>
+              <a:off x="1845891" y="3644497"/>
+              <a:ext cx="295286" cy="276144"/>
             </a:xfrm>
             <a:prstGeom prst="rect">
               <a:avLst/>
@@ -8657,7 +8657,7 @@
                 <a:alpha val="100000"/>
               </a:srgbClr>
             </a:solidFill>
-            <a:ln w="13550" cap="sq">
+            <a:ln w="13550" cap="flat">
               <a:solidFill>
                 <a:srgbClr val="FFFFFF">
                   <a:alpha val="100000"/>
@@ -8681,8 +8681,8 @@
           </p:nvSpPr>
           <p:spPr>
             <a:xfrm>
-              <a:off x="1807810" y="3644497"/>
-              <a:ext cx="285055" cy="0"/>
+              <a:off x="1845891" y="3644497"/>
+              <a:ext cx="295286" cy="0"/>
             </a:xfrm>
             <a:prstGeom prst="rect">
               <a:avLst/>
@@ -8692,7 +8692,7 @@
                 <a:alpha val="100000"/>
               </a:srgbClr>
             </a:solidFill>
-            <a:ln w="13550" cap="sq">
+            <a:ln w="13550" cap="flat">
               <a:solidFill>
                 <a:srgbClr val="FFFFFF">
                   <a:alpha val="100000"/>
@@ -8716,8 +8716,8 @@
           </p:nvSpPr>
           <p:spPr>
             <a:xfrm>
-              <a:off x="1807810" y="3219659"/>
-              <a:ext cx="285055" cy="424837"/>
+              <a:off x="1845891" y="3219659"/>
+              <a:ext cx="295286" cy="424837"/>
             </a:xfrm>
             <a:prstGeom prst="rect">
               <a:avLst/>
@@ -8727,7 +8727,7 @@
                 <a:alpha val="100000"/>
               </a:srgbClr>
             </a:solidFill>
-            <a:ln w="13550" cap="sq">
+            <a:ln w="13550" cap="flat">
               <a:solidFill>
                 <a:srgbClr val="FFFFFF">
                   <a:alpha val="100000"/>
@@ -8751,8 +8751,8 @@
           </p:nvSpPr>
           <p:spPr>
             <a:xfrm>
-              <a:off x="2124538" y="4239270"/>
-              <a:ext cx="285055" cy="679740"/>
+              <a:off x="2173987" y="4239270"/>
+              <a:ext cx="295286" cy="679740"/>
             </a:xfrm>
             <a:prstGeom prst="rect">
               <a:avLst/>
@@ -8762,7 +8762,7 @@
                 <a:alpha val="100000"/>
               </a:srgbClr>
             </a:solidFill>
-            <a:ln w="13550" cap="sq">
+            <a:ln w="13550" cap="flat">
               <a:solidFill>
                 <a:srgbClr val="FFFFFF">
                   <a:alpha val="100000"/>
@@ -8786,8 +8786,8 @@
           </p:nvSpPr>
           <p:spPr>
             <a:xfrm>
-              <a:off x="2124538" y="3517046"/>
-              <a:ext cx="285055" cy="722224"/>
+              <a:off x="2173987" y="3517046"/>
+              <a:ext cx="295286" cy="722224"/>
             </a:xfrm>
             <a:prstGeom prst="rect">
               <a:avLst/>
@@ -8797,7 +8797,7 @@
                 <a:alpha val="100000"/>
               </a:srgbClr>
             </a:solidFill>
-            <a:ln w="13550" cap="sq">
+            <a:ln w="13550" cap="flat">
               <a:solidFill>
                 <a:srgbClr val="FFFFFF">
                   <a:alpha val="100000"/>
@@ -8821,8 +8821,8 @@
           </p:nvSpPr>
           <p:spPr>
             <a:xfrm>
-              <a:off x="2124538" y="2985999"/>
-              <a:ext cx="285055" cy="531047"/>
+              <a:off x="2173987" y="2985999"/>
+              <a:ext cx="295286" cy="531047"/>
             </a:xfrm>
             <a:prstGeom prst="rect">
               <a:avLst/>
@@ -8832,7 +8832,7 @@
                 <a:alpha val="100000"/>
               </a:srgbClr>
             </a:solidFill>
-            <a:ln w="13550" cap="sq">
+            <a:ln w="13550" cap="flat">
               <a:solidFill>
                 <a:srgbClr val="FFFFFF">
                   <a:alpha val="100000"/>
@@ -8856,8 +8856,8 @@
           </p:nvSpPr>
           <p:spPr>
             <a:xfrm>
-              <a:off x="2124538" y="2476193"/>
-              <a:ext cx="285055" cy="509805"/>
+              <a:off x="2173987" y="2476193"/>
+              <a:ext cx="295286" cy="509805"/>
             </a:xfrm>
             <a:prstGeom prst="rect">
               <a:avLst/>
@@ -8867,7 +8867,7 @@
                 <a:alpha val="100000"/>
               </a:srgbClr>
             </a:solidFill>
-            <a:ln w="13550" cap="sq">
+            <a:ln w="13550" cap="flat">
               <a:solidFill>
                 <a:srgbClr val="FFFFFF">
                   <a:alpha val="100000"/>
@@ -8891,8 +8891,8 @@
           </p:nvSpPr>
           <p:spPr>
             <a:xfrm>
-              <a:off x="2124538" y="2008872"/>
-              <a:ext cx="285055" cy="467321"/>
+              <a:off x="2173987" y="2008872"/>
+              <a:ext cx="295286" cy="467321"/>
             </a:xfrm>
             <a:prstGeom prst="rect">
               <a:avLst/>
@@ -8902,7 +8902,7 @@
                 <a:alpha val="100000"/>
               </a:srgbClr>
             </a:solidFill>
-            <a:ln w="13550" cap="sq">
+            <a:ln w="13550" cap="flat">
               <a:solidFill>
                 <a:srgbClr val="FFFFFF">
                   <a:alpha val="100000"/>
@@ -8926,8 +8926,8 @@
           </p:nvSpPr>
           <p:spPr>
             <a:xfrm>
-              <a:off x="2441266" y="4260512"/>
-              <a:ext cx="285055" cy="658498"/>
+              <a:off x="2502083" y="4260512"/>
+              <a:ext cx="295286" cy="658498"/>
             </a:xfrm>
             <a:prstGeom prst="rect">
               <a:avLst/>
@@ -8937,7 +8937,7 @@
                 <a:alpha val="100000"/>
               </a:srgbClr>
             </a:solidFill>
-            <a:ln w="13550" cap="sq">
+            <a:ln w="13550" cap="flat">
               <a:solidFill>
                 <a:srgbClr val="FFFFFF">
                   <a:alpha val="100000"/>
@@ -8961,8 +8961,8 @@
           </p:nvSpPr>
           <p:spPr>
             <a:xfrm>
-              <a:off x="2441266" y="3941884"/>
-              <a:ext cx="285055" cy="318628"/>
+              <a:off x="2502083" y="3941884"/>
+              <a:ext cx="295286" cy="318628"/>
             </a:xfrm>
             <a:prstGeom prst="rect">
               <a:avLst/>
@@ -8972,7 +8972,7 @@
                 <a:alpha val="100000"/>
               </a:srgbClr>
             </a:solidFill>
-            <a:ln w="13550" cap="sq">
+            <a:ln w="13550" cap="flat">
               <a:solidFill>
                 <a:srgbClr val="FFFFFF">
                   <a:alpha val="100000"/>
@@ -8996,8 +8996,8 @@
           </p:nvSpPr>
           <p:spPr>
             <a:xfrm>
-              <a:off x="2441266" y="3941884"/>
-              <a:ext cx="285055" cy="0"/>
+              <a:off x="2502083" y="3941884"/>
+              <a:ext cx="295286" cy="0"/>
             </a:xfrm>
             <a:prstGeom prst="rect">
               <a:avLst/>
@@ -9007,7 +9007,7 @@
                 <a:alpha val="100000"/>
               </a:srgbClr>
             </a:solidFill>
-            <a:ln w="13550" cap="sq">
+            <a:ln w="13550" cap="flat">
               <a:solidFill>
                 <a:srgbClr val="FFFFFF">
                   <a:alpha val="100000"/>
@@ -9031,8 +9031,8 @@
           </p:nvSpPr>
           <p:spPr>
             <a:xfrm>
-              <a:off x="2441266" y="3538288"/>
-              <a:ext cx="285055" cy="403595"/>
+              <a:off x="2502083" y="3538288"/>
+              <a:ext cx="295286" cy="403595"/>
             </a:xfrm>
             <a:prstGeom prst="rect">
               <a:avLst/>
@@ -9042,7 +9042,7 @@
                 <a:alpha val="100000"/>
               </a:srgbClr>
             </a:solidFill>
-            <a:ln w="13550" cap="sq">
+            <a:ln w="13550" cap="flat">
               <a:solidFill>
                 <a:srgbClr val="FFFFFF">
                   <a:alpha val="100000"/>
@@ -9066,8 +9066,8 @@
           </p:nvSpPr>
           <p:spPr>
             <a:xfrm>
-              <a:off x="2441266" y="3538288"/>
-              <a:ext cx="285055" cy="0"/>
+              <a:off x="2502083" y="3538288"/>
+              <a:ext cx="295286" cy="0"/>
             </a:xfrm>
             <a:prstGeom prst="rect">
               <a:avLst/>
@@ -9077,7 +9077,7 @@
                 <a:alpha val="100000"/>
               </a:srgbClr>
             </a:solidFill>
-            <a:ln w="13550" cap="sq">
+            <a:ln w="13550" cap="flat">
               <a:solidFill>
                 <a:srgbClr val="FFFFFF">
                   <a:alpha val="100000"/>
@@ -9101,8 +9101,8 @@
           </p:nvSpPr>
           <p:spPr>
             <a:xfrm>
-              <a:off x="2773831" y="1863365"/>
-              <a:ext cx="1013530" cy="3201153"/>
+              <a:off x="2846583" y="1863365"/>
+              <a:ext cx="1049906" cy="3201153"/>
             </a:xfrm>
             <a:prstGeom prst="rect">
               <a:avLst/>
@@ -9122,21 +9122,21 @@
           </p:nvSpPr>
           <p:spPr>
             <a:xfrm>
-              <a:off x="2773831" y="4387964"/>
-              <a:ext cx="1013530" cy="0"/>
+              <a:off x="2846583" y="4387964"/>
+              <a:ext cx="1049906" cy="0"/>
             </a:xfrm>
             <a:custGeom>
               <a:avLst/>
               <a:pathLst>
-                <a:path w="1013530" h="0">
+                <a:path w="1049906" h="0">
                   <a:moveTo>
                     <a:pt x="0" y="0"/>
                   </a:moveTo>
                   <a:lnTo>
-                    <a:pt x="1013530" y="0"/>
+                    <a:pt x="1049906" y="0"/>
                   </a:lnTo>
                   <a:lnTo>
-                    <a:pt x="1013530" y="0"/>
+                    <a:pt x="1049906" y="0"/>
                   </a:lnTo>
                 </a:path>
               </a:pathLst>
@@ -9165,21 +9165,21 @@
           </p:nvSpPr>
           <p:spPr>
             <a:xfrm>
-              <a:off x="2773831" y="3325869"/>
-              <a:ext cx="1013530" cy="0"/>
+              <a:off x="2846583" y="3325869"/>
+              <a:ext cx="1049906" cy="0"/>
             </a:xfrm>
             <a:custGeom>
               <a:avLst/>
               <a:pathLst>
-                <a:path w="1013530" h="0">
+                <a:path w="1049906" h="0">
                   <a:moveTo>
                     <a:pt x="0" y="0"/>
                   </a:moveTo>
                   <a:lnTo>
-                    <a:pt x="1013530" y="0"/>
+                    <a:pt x="1049906" y="0"/>
                   </a:lnTo>
                   <a:lnTo>
-                    <a:pt x="1013530" y="0"/>
+                    <a:pt x="1049906" y="0"/>
                   </a:lnTo>
                 </a:path>
               </a:pathLst>
@@ -9208,21 +9208,21 @@
           </p:nvSpPr>
           <p:spPr>
             <a:xfrm>
-              <a:off x="2773831" y="2263774"/>
-              <a:ext cx="1013530" cy="0"/>
+              <a:off x="2846583" y="2263774"/>
+              <a:ext cx="1049906" cy="0"/>
             </a:xfrm>
             <a:custGeom>
               <a:avLst/>
               <a:pathLst>
-                <a:path w="1013530" h="0">
+                <a:path w="1049906" h="0">
                   <a:moveTo>
                     <a:pt x="0" y="0"/>
                   </a:moveTo>
                   <a:lnTo>
-                    <a:pt x="1013530" y="0"/>
+                    <a:pt x="1049906" y="0"/>
                   </a:lnTo>
                   <a:lnTo>
-                    <a:pt x="1013530" y="0"/>
+                    <a:pt x="1049906" y="0"/>
                   </a:lnTo>
                 </a:path>
               </a:pathLst>
@@ -9251,21 +9251,21 @@
           </p:nvSpPr>
           <p:spPr>
             <a:xfrm>
-              <a:off x="2773831" y="4919011"/>
-              <a:ext cx="1013530" cy="0"/>
+              <a:off x="2846583" y="4919011"/>
+              <a:ext cx="1049906" cy="0"/>
             </a:xfrm>
             <a:custGeom>
               <a:avLst/>
               <a:pathLst>
-                <a:path w="1013530" h="0">
+                <a:path w="1049906" h="0">
                   <a:moveTo>
                     <a:pt x="0" y="0"/>
                   </a:moveTo>
                   <a:lnTo>
-                    <a:pt x="1013530" y="0"/>
+                    <a:pt x="1049906" y="0"/>
                   </a:lnTo>
                   <a:lnTo>
-                    <a:pt x="1013530" y="0"/>
+                    <a:pt x="1049906" y="0"/>
                   </a:lnTo>
                 </a:path>
               </a:pathLst>
@@ -9294,21 +9294,21 @@
           </p:nvSpPr>
           <p:spPr>
             <a:xfrm>
-              <a:off x="2773831" y="3856916"/>
-              <a:ext cx="1013530" cy="0"/>
+              <a:off x="2846583" y="3856916"/>
+              <a:ext cx="1049906" cy="0"/>
             </a:xfrm>
             <a:custGeom>
               <a:avLst/>
               <a:pathLst>
-                <a:path w="1013530" h="0">
+                <a:path w="1049906" h="0">
                   <a:moveTo>
                     <a:pt x="0" y="0"/>
                   </a:moveTo>
                   <a:lnTo>
-                    <a:pt x="1013530" y="0"/>
+                    <a:pt x="1049906" y="0"/>
                   </a:lnTo>
                   <a:lnTo>
-                    <a:pt x="1013530" y="0"/>
+                    <a:pt x="1049906" y="0"/>
                   </a:lnTo>
                 </a:path>
               </a:pathLst>
@@ -9337,21 +9337,21 @@
           </p:nvSpPr>
           <p:spPr>
             <a:xfrm>
-              <a:off x="2773831" y="2794822"/>
-              <a:ext cx="1013530" cy="0"/>
+              <a:off x="2846583" y="2794822"/>
+              <a:ext cx="1049906" cy="0"/>
             </a:xfrm>
             <a:custGeom>
               <a:avLst/>
               <a:pathLst>
-                <a:path w="1013530" h="0">
+                <a:path w="1049906" h="0">
                   <a:moveTo>
                     <a:pt x="0" y="0"/>
                   </a:moveTo>
                   <a:lnTo>
-                    <a:pt x="1013530" y="0"/>
+                    <a:pt x="1049906" y="0"/>
                   </a:lnTo>
                   <a:lnTo>
-                    <a:pt x="1013530" y="0"/>
+                    <a:pt x="1049906" y="0"/>
                   </a:lnTo>
                 </a:path>
               </a:pathLst>
@@ -9380,8 +9380,8 @@
           </p:nvSpPr>
           <p:spPr>
             <a:xfrm>
-              <a:off x="2821340" y="3771949"/>
-              <a:ext cx="285055" cy="1147062"/>
+              <a:off x="2895797" y="3771949"/>
+              <a:ext cx="295286" cy="1147062"/>
             </a:xfrm>
             <a:prstGeom prst="rect">
               <a:avLst/>
@@ -9391,7 +9391,7 @@
                 <a:alpha val="100000"/>
               </a:srgbClr>
             </a:solidFill>
-            <a:ln w="13550" cap="sq">
+            <a:ln w="13550" cap="flat">
               <a:solidFill>
                 <a:srgbClr val="FFFFFF">
                   <a:alpha val="100000"/>
@@ -9415,8 +9415,8 @@
           </p:nvSpPr>
           <p:spPr>
             <a:xfrm>
-              <a:off x="2821340" y="3304627"/>
-              <a:ext cx="285055" cy="467321"/>
+              <a:off x="2895797" y="3304627"/>
+              <a:ext cx="295286" cy="467321"/>
             </a:xfrm>
             <a:prstGeom prst="rect">
               <a:avLst/>
@@ -9426,7 +9426,7 @@
                 <a:alpha val="100000"/>
               </a:srgbClr>
             </a:solidFill>
-            <a:ln w="13550" cap="sq">
+            <a:ln w="13550" cap="flat">
               <a:solidFill>
                 <a:srgbClr val="FFFFFF">
                   <a:alpha val="100000"/>
@@ -9450,8 +9450,8 @@
           </p:nvSpPr>
           <p:spPr>
             <a:xfrm>
-              <a:off x="2821340" y="3007240"/>
-              <a:ext cx="285055" cy="297386"/>
+              <a:off x="2895797" y="3007240"/>
+              <a:ext cx="295286" cy="297386"/>
             </a:xfrm>
             <a:prstGeom prst="rect">
               <a:avLst/>
@@ -9461,7 +9461,7 @@
                 <a:alpha val="100000"/>
               </a:srgbClr>
             </a:solidFill>
-            <a:ln w="13550" cap="sq">
+            <a:ln w="13550" cap="flat">
               <a:solidFill>
                 <a:srgbClr val="FFFFFF">
                   <a:alpha val="100000"/>
@@ -9485,8 +9485,8 @@
           </p:nvSpPr>
           <p:spPr>
             <a:xfrm>
-              <a:off x="2821340" y="2624886"/>
-              <a:ext cx="285055" cy="382354"/>
+              <a:off x="2895797" y="2624886"/>
+              <a:ext cx="295286" cy="382354"/>
             </a:xfrm>
             <a:prstGeom prst="rect">
               <a:avLst/>
@@ -9496,7 +9496,7 @@
                 <a:alpha val="100000"/>
               </a:srgbClr>
             </a:solidFill>
-            <a:ln w="13550" cap="sq">
+            <a:ln w="13550" cap="flat">
               <a:solidFill>
                 <a:srgbClr val="FFFFFF">
                   <a:alpha val="100000"/>
@@ -9520,8 +9520,8 @@
           </p:nvSpPr>
           <p:spPr>
             <a:xfrm>
-              <a:off x="2821340" y="2624886"/>
-              <a:ext cx="285055" cy="0"/>
+              <a:off x="2895797" y="2624886"/>
+              <a:ext cx="295286" cy="0"/>
             </a:xfrm>
             <a:prstGeom prst="rect">
               <a:avLst/>
@@ -9531,7 +9531,7 @@
                 <a:alpha val="100000"/>
               </a:srgbClr>
             </a:solidFill>
-            <a:ln w="13550" cap="sq">
+            <a:ln w="13550" cap="flat">
               <a:solidFill>
                 <a:srgbClr val="FFFFFF">
                   <a:alpha val="100000"/>
@@ -9555,8 +9555,8 @@
           </p:nvSpPr>
           <p:spPr>
             <a:xfrm>
-              <a:off x="3138068" y="4302996"/>
-              <a:ext cx="285055" cy="616014"/>
+              <a:off x="3223893" y="4302996"/>
+              <a:ext cx="295286" cy="616014"/>
             </a:xfrm>
             <a:prstGeom prst="rect">
               <a:avLst/>
@@ -9566,7 +9566,7 @@
                 <a:alpha val="100000"/>
               </a:srgbClr>
             </a:solidFill>
-            <a:ln w="13550" cap="sq">
+            <a:ln w="13550" cap="flat">
               <a:solidFill>
                 <a:srgbClr val="FFFFFF">
                   <a:alpha val="100000"/>
@@ -9590,8 +9590,8 @@
           </p:nvSpPr>
           <p:spPr>
             <a:xfrm>
-              <a:off x="3138068" y="3750707"/>
-              <a:ext cx="285055" cy="552289"/>
+              <a:off x="3223893" y="3750707"/>
+              <a:ext cx="295286" cy="552289"/>
             </a:xfrm>
             <a:prstGeom prst="rect">
               <a:avLst/>
@@ -9601,7 +9601,7 @@
                 <a:alpha val="100000"/>
               </a:srgbClr>
             </a:solidFill>
-            <a:ln w="13550" cap="sq">
+            <a:ln w="13550" cap="flat">
               <a:solidFill>
                 <a:srgbClr val="FFFFFF">
                   <a:alpha val="100000"/>
@@ -9625,8 +9625,8 @@
           </p:nvSpPr>
           <p:spPr>
             <a:xfrm>
-              <a:off x="3138068" y="3155934"/>
-              <a:ext cx="285055" cy="594773"/>
+              <a:off x="3223893" y="3155934"/>
+              <a:ext cx="295286" cy="594773"/>
             </a:xfrm>
             <a:prstGeom prst="rect">
               <a:avLst/>
@@ -9636,7 +9636,7 @@
                 <a:alpha val="100000"/>
               </a:srgbClr>
             </a:solidFill>
-            <a:ln w="13550" cap="sq">
+            <a:ln w="13550" cap="flat">
               <a:solidFill>
                 <a:srgbClr val="FFFFFF">
                   <a:alpha val="100000"/>
@@ -9660,8 +9660,8 @@
           </p:nvSpPr>
           <p:spPr>
             <a:xfrm>
-              <a:off x="3138068" y="2773580"/>
-              <a:ext cx="285055" cy="382354"/>
+              <a:off x="3223893" y="2773580"/>
+              <a:ext cx="295286" cy="382354"/>
             </a:xfrm>
             <a:prstGeom prst="rect">
               <a:avLst/>
@@ -9671,7 +9671,7 @@
                 <a:alpha val="100000"/>
               </a:srgbClr>
             </a:solidFill>
-            <a:ln w="13550" cap="sq">
+            <a:ln w="13550" cap="flat">
               <a:solidFill>
                 <a:srgbClr val="FFFFFF">
                   <a:alpha val="100000"/>
@@ -9695,8 +9695,8 @@
           </p:nvSpPr>
           <p:spPr>
             <a:xfrm>
-              <a:off x="3138068" y="2773580"/>
-              <a:ext cx="285055" cy="0"/>
+              <a:off x="3223893" y="2773580"/>
+              <a:ext cx="295286" cy="0"/>
             </a:xfrm>
             <a:prstGeom prst="rect">
               <a:avLst/>
@@ -9706,7 +9706,7 @@
                 <a:alpha val="100000"/>
               </a:srgbClr>
             </a:solidFill>
-            <a:ln w="13550" cap="sq">
+            <a:ln w="13550" cap="flat">
               <a:solidFill>
                 <a:srgbClr val="FFFFFF">
                   <a:alpha val="100000"/>
@@ -9730,8 +9730,8 @@
           </p:nvSpPr>
           <p:spPr>
             <a:xfrm>
-              <a:off x="3454796" y="4111819"/>
-              <a:ext cx="285055" cy="807191"/>
+              <a:off x="3551989" y="4111819"/>
+              <a:ext cx="295286" cy="807191"/>
             </a:xfrm>
             <a:prstGeom prst="rect">
               <a:avLst/>
@@ -9741,7 +9741,7 @@
                 <a:alpha val="100000"/>
               </a:srgbClr>
             </a:solidFill>
-            <a:ln w="13550" cap="sq">
+            <a:ln w="13550" cap="flat">
               <a:solidFill>
                 <a:srgbClr val="FFFFFF">
                   <a:alpha val="100000"/>
@@ -9765,8 +9765,8 @@
           </p:nvSpPr>
           <p:spPr>
             <a:xfrm>
-              <a:off x="3454796" y="3665739"/>
-              <a:ext cx="285055" cy="446079"/>
+              <a:off x="3551989" y="3665739"/>
+              <a:ext cx="295286" cy="446079"/>
             </a:xfrm>
             <a:prstGeom prst="rect">
               <a:avLst/>
@@ -9776,7 +9776,7 @@
                 <a:alpha val="100000"/>
               </a:srgbClr>
             </a:solidFill>
-            <a:ln w="13550" cap="sq">
+            <a:ln w="13550" cap="flat">
               <a:solidFill>
                 <a:srgbClr val="FFFFFF">
                   <a:alpha val="100000"/>
@@ -9800,8 +9800,8 @@
           </p:nvSpPr>
           <p:spPr>
             <a:xfrm>
-              <a:off x="3454796" y="3410836"/>
-              <a:ext cx="285055" cy="254902"/>
+              <a:off x="3551989" y="3410836"/>
+              <a:ext cx="295286" cy="254902"/>
             </a:xfrm>
             <a:prstGeom prst="rect">
               <a:avLst/>
@@ -9811,7 +9811,7 @@
                 <a:alpha val="100000"/>
               </a:srgbClr>
             </a:solidFill>
-            <a:ln w="13550" cap="sq">
+            <a:ln w="13550" cap="flat">
               <a:solidFill>
                 <a:srgbClr val="FFFFFF">
                   <a:alpha val="100000"/>
@@ -9835,8 +9835,8 @@
           </p:nvSpPr>
           <p:spPr>
             <a:xfrm>
-              <a:off x="3454796" y="3410836"/>
-              <a:ext cx="285055" cy="0"/>
+              <a:off x="3551989" y="3410836"/>
+              <a:ext cx="295286" cy="0"/>
             </a:xfrm>
             <a:prstGeom prst="rect">
               <a:avLst/>
@@ -9846,7 +9846,7 @@
                 <a:alpha val="100000"/>
               </a:srgbClr>
             </a:solidFill>
-            <a:ln w="13550" cap="sq">
+            <a:ln w="13550" cap="flat">
               <a:solidFill>
                 <a:srgbClr val="FFFFFF">
                   <a:alpha val="100000"/>
@@ -9870,8 +9870,8 @@
           </p:nvSpPr>
           <p:spPr>
             <a:xfrm>
-              <a:off x="3454796" y="3410836"/>
-              <a:ext cx="285055" cy="0"/>
+              <a:off x="3551989" y="3410836"/>
+              <a:ext cx="295286" cy="0"/>
             </a:xfrm>
             <a:prstGeom prst="rect">
               <a:avLst/>
@@ -9881,7 +9881,7 @@
                 <a:alpha val="100000"/>
               </a:srgbClr>
             </a:solidFill>
-            <a:ln w="13550" cap="sq">
+            <a:ln w="13550" cap="flat">
               <a:solidFill>
                 <a:srgbClr val="FFFFFF">
                   <a:alpha val="100000"/>
@@ -9905,8 +9905,8 @@
           </p:nvSpPr>
           <p:spPr>
             <a:xfrm>
-              <a:off x="3787361" y="1863365"/>
-              <a:ext cx="1013530" cy="3201153"/>
+              <a:off x="3896489" y="1863365"/>
+              <a:ext cx="1049906" cy="3201153"/>
             </a:xfrm>
             <a:prstGeom prst="rect">
               <a:avLst/>
@@ -9926,21 +9926,21 @@
           </p:nvSpPr>
           <p:spPr>
             <a:xfrm>
-              <a:off x="3787361" y="4387964"/>
-              <a:ext cx="1013530" cy="0"/>
+              <a:off x="3896489" y="4387964"/>
+              <a:ext cx="1049906" cy="0"/>
             </a:xfrm>
             <a:custGeom>
               <a:avLst/>
               <a:pathLst>
-                <a:path w="1013530" h="0">
+                <a:path w="1049906" h="0">
                   <a:moveTo>
                     <a:pt x="0" y="0"/>
                   </a:moveTo>
                   <a:lnTo>
-                    <a:pt x="1013530" y="0"/>
+                    <a:pt x="1049906" y="0"/>
                   </a:lnTo>
                   <a:lnTo>
-                    <a:pt x="1013530" y="0"/>
+                    <a:pt x="1049906" y="0"/>
                   </a:lnTo>
                 </a:path>
               </a:pathLst>
@@ -9969,21 +9969,21 @@
           </p:nvSpPr>
           <p:spPr>
             <a:xfrm>
-              <a:off x="3787361" y="3325869"/>
-              <a:ext cx="1013530" cy="0"/>
+              <a:off x="3896489" y="3325869"/>
+              <a:ext cx="1049906" cy="0"/>
             </a:xfrm>
             <a:custGeom>
               <a:avLst/>
               <a:pathLst>
-                <a:path w="1013530" h="0">
+                <a:path w="1049906" h="0">
                   <a:moveTo>
                     <a:pt x="0" y="0"/>
                   </a:moveTo>
                   <a:lnTo>
-                    <a:pt x="1013530" y="0"/>
+                    <a:pt x="1049906" y="0"/>
                   </a:lnTo>
                   <a:lnTo>
-                    <a:pt x="1013530" y="0"/>
+                    <a:pt x="1049906" y="0"/>
                   </a:lnTo>
                 </a:path>
               </a:pathLst>
@@ -10012,21 +10012,21 @@
           </p:nvSpPr>
           <p:spPr>
             <a:xfrm>
-              <a:off x="3787361" y="2263774"/>
-              <a:ext cx="1013530" cy="0"/>
+              <a:off x="3896489" y="2263774"/>
+              <a:ext cx="1049906" cy="0"/>
             </a:xfrm>
             <a:custGeom>
               <a:avLst/>
               <a:pathLst>
-                <a:path w="1013530" h="0">
+                <a:path w="1049906" h="0">
                   <a:moveTo>
                     <a:pt x="0" y="0"/>
                   </a:moveTo>
                   <a:lnTo>
-                    <a:pt x="1013530" y="0"/>
+                    <a:pt x="1049906" y="0"/>
                   </a:lnTo>
                   <a:lnTo>
-                    <a:pt x="1013530" y="0"/>
+                    <a:pt x="1049906" y="0"/>
                   </a:lnTo>
                 </a:path>
               </a:pathLst>
@@ -10055,21 +10055,21 @@
           </p:nvSpPr>
           <p:spPr>
             <a:xfrm>
-              <a:off x="3787361" y="4919011"/>
-              <a:ext cx="1013530" cy="0"/>
+              <a:off x="3896489" y="4919011"/>
+              <a:ext cx="1049906" cy="0"/>
             </a:xfrm>
             <a:custGeom>
               <a:avLst/>
               <a:pathLst>
-                <a:path w="1013530" h="0">
+                <a:path w="1049906" h="0">
                   <a:moveTo>
                     <a:pt x="0" y="0"/>
                   </a:moveTo>
                   <a:lnTo>
-                    <a:pt x="1013530" y="0"/>
+                    <a:pt x="1049906" y="0"/>
                   </a:lnTo>
                   <a:lnTo>
-                    <a:pt x="1013530" y="0"/>
+                    <a:pt x="1049906" y="0"/>
                   </a:lnTo>
                 </a:path>
               </a:pathLst>
@@ -10098,21 +10098,21 @@
           </p:nvSpPr>
           <p:spPr>
             <a:xfrm>
-              <a:off x="3787361" y="3856916"/>
-              <a:ext cx="1013530" cy="0"/>
+              <a:off x="3896489" y="3856916"/>
+              <a:ext cx="1049906" cy="0"/>
             </a:xfrm>
             <a:custGeom>
               <a:avLst/>
               <a:pathLst>
-                <a:path w="1013530" h="0">
+                <a:path w="1049906" h="0">
                   <a:moveTo>
                     <a:pt x="0" y="0"/>
                   </a:moveTo>
                   <a:lnTo>
-                    <a:pt x="1013530" y="0"/>
+                    <a:pt x="1049906" y="0"/>
                   </a:lnTo>
                   <a:lnTo>
-                    <a:pt x="1013530" y="0"/>
+                    <a:pt x="1049906" y="0"/>
                   </a:lnTo>
                 </a:path>
               </a:pathLst>
@@ -10141,21 +10141,21 @@
           </p:nvSpPr>
           <p:spPr>
             <a:xfrm>
-              <a:off x="3787361" y="2794822"/>
-              <a:ext cx="1013530" cy="0"/>
+              <a:off x="3896489" y="2794822"/>
+              <a:ext cx="1049906" cy="0"/>
             </a:xfrm>
             <a:custGeom>
               <a:avLst/>
               <a:pathLst>
-                <a:path w="1013530" h="0">
+                <a:path w="1049906" h="0">
                   <a:moveTo>
                     <a:pt x="0" y="0"/>
                   </a:moveTo>
                   <a:lnTo>
-                    <a:pt x="1013530" y="0"/>
+                    <a:pt x="1049906" y="0"/>
                   </a:lnTo>
                   <a:lnTo>
-                    <a:pt x="1013530" y="0"/>
+                    <a:pt x="1049906" y="0"/>
                   </a:lnTo>
                 </a:path>
               </a:pathLst>
@@ -10184,8 +10184,8 @@
           </p:nvSpPr>
           <p:spPr>
             <a:xfrm>
-              <a:off x="3834870" y="3984368"/>
-              <a:ext cx="285055" cy="934643"/>
+              <a:off x="3945704" y="3984368"/>
+              <a:ext cx="295286" cy="934643"/>
             </a:xfrm>
             <a:prstGeom prst="rect">
               <a:avLst/>
@@ -10195,7 +10195,7 @@
                 <a:alpha val="100000"/>
               </a:srgbClr>
             </a:solidFill>
-            <a:ln w="13550" cap="sq">
+            <a:ln w="13550" cap="flat">
               <a:solidFill>
                 <a:srgbClr val="FFFFFF">
                   <a:alpha val="100000"/>
@@ -10219,8 +10219,8 @@
           </p:nvSpPr>
           <p:spPr>
             <a:xfrm>
-              <a:off x="3834870" y="3665739"/>
-              <a:ext cx="285055" cy="318628"/>
+              <a:off x="3945704" y="3665739"/>
+              <a:ext cx="295286" cy="318628"/>
             </a:xfrm>
             <a:prstGeom prst="rect">
               <a:avLst/>
@@ -10230,7 +10230,7 @@
                 <a:alpha val="100000"/>
               </a:srgbClr>
             </a:solidFill>
-            <a:ln w="13550" cap="sq">
+            <a:ln w="13550" cap="flat">
               <a:solidFill>
                 <a:srgbClr val="FFFFFF">
                   <a:alpha val="100000"/>
@@ -10254,8 +10254,8 @@
           </p:nvSpPr>
           <p:spPr>
             <a:xfrm>
-              <a:off x="3834870" y="3432078"/>
-              <a:ext cx="285055" cy="233660"/>
+              <a:off x="3945704" y="3432078"/>
+              <a:ext cx="295286" cy="233660"/>
             </a:xfrm>
             <a:prstGeom prst="rect">
               <a:avLst/>
@@ -10265,7 +10265,7 @@
                 <a:alpha val="100000"/>
               </a:srgbClr>
             </a:solidFill>
-            <a:ln w="13550" cap="sq">
+            <a:ln w="13550" cap="flat">
               <a:solidFill>
                 <a:srgbClr val="FFFFFF">
                   <a:alpha val="100000"/>
@@ -10289,8 +10289,8 @@
           </p:nvSpPr>
           <p:spPr>
             <a:xfrm>
-              <a:off x="3834870" y="3432078"/>
-              <a:ext cx="285055" cy="0"/>
+              <a:off x="3945704" y="3432078"/>
+              <a:ext cx="295286" cy="0"/>
             </a:xfrm>
             <a:prstGeom prst="rect">
               <a:avLst/>
@@ -10300,7 +10300,7 @@
                 <a:alpha val="100000"/>
               </a:srgbClr>
             </a:solidFill>
-            <a:ln w="13550" cap="sq">
+            <a:ln w="13550" cap="flat">
               <a:solidFill>
                 <a:srgbClr val="FFFFFF">
                   <a:alpha val="100000"/>
@@ -10324,8 +10324,8 @@
           </p:nvSpPr>
           <p:spPr>
             <a:xfrm>
-              <a:off x="3834870" y="3155934"/>
-              <a:ext cx="285055" cy="276144"/>
+              <a:off x="3945704" y="3155934"/>
+              <a:ext cx="295286" cy="276144"/>
             </a:xfrm>
             <a:prstGeom prst="rect">
               <a:avLst/>
@@ -10335,7 +10335,7 @@
                 <a:alpha val="100000"/>
               </a:srgbClr>
             </a:solidFill>
-            <a:ln w="13550" cap="sq">
+            <a:ln w="13550" cap="flat">
               <a:solidFill>
                 <a:srgbClr val="FFFFFF">
                   <a:alpha val="100000"/>
@@ -10359,8 +10359,8 @@
           </p:nvSpPr>
           <p:spPr>
             <a:xfrm>
-              <a:off x="4151598" y="3304627"/>
-              <a:ext cx="285055" cy="1614383"/>
+              <a:off x="4273799" y="3304627"/>
+              <a:ext cx="295286" cy="1614383"/>
             </a:xfrm>
             <a:prstGeom prst="rect">
               <a:avLst/>
@@ -10370,7 +10370,7 @@
                 <a:alpha val="100000"/>
               </a:srgbClr>
             </a:solidFill>
-            <a:ln w="13550" cap="sq">
+            <a:ln w="13550" cap="flat">
               <a:solidFill>
                 <a:srgbClr val="FFFFFF">
                   <a:alpha val="100000"/>
@@ -10394,8 +10394,8 @@
           </p:nvSpPr>
           <p:spPr>
             <a:xfrm>
-              <a:off x="4151598" y="2709854"/>
-              <a:ext cx="285055" cy="594773"/>
+              <a:off x="4273799" y="2709854"/>
+              <a:ext cx="295286" cy="594773"/>
             </a:xfrm>
             <a:prstGeom prst="rect">
               <a:avLst/>
@@ -10405,7 +10405,7 @@
                 <a:alpha val="100000"/>
               </a:srgbClr>
             </a:solidFill>
-            <a:ln w="13550" cap="sq">
+            <a:ln w="13550" cap="flat">
               <a:solidFill>
                 <a:srgbClr val="FFFFFF">
                   <a:alpha val="100000"/>
@@ -10429,8 +10429,8 @@
           </p:nvSpPr>
           <p:spPr>
             <a:xfrm>
-              <a:off x="4151598" y="2327500"/>
-              <a:ext cx="285055" cy="382354"/>
+              <a:off x="4273799" y="2327500"/>
+              <a:ext cx="295286" cy="382354"/>
             </a:xfrm>
             <a:prstGeom prst="rect">
               <a:avLst/>
@@ -10440,7 +10440,7 @@
                 <a:alpha val="100000"/>
               </a:srgbClr>
             </a:solidFill>
-            <a:ln w="13550" cap="sq">
+            <a:ln w="13550" cap="flat">
               <a:solidFill>
                 <a:srgbClr val="FFFFFF">
                   <a:alpha val="100000"/>
@@ -10464,8 +10464,8 @@
           </p:nvSpPr>
           <p:spPr>
             <a:xfrm>
-              <a:off x="4151598" y="2327500"/>
-              <a:ext cx="285055" cy="0"/>
+              <a:off x="4273799" y="2327500"/>
+              <a:ext cx="295286" cy="0"/>
             </a:xfrm>
             <a:prstGeom prst="rect">
               <a:avLst/>
@@ -10475,7 +10475,7 @@
                 <a:alpha val="100000"/>
               </a:srgbClr>
             </a:solidFill>
-            <a:ln w="13550" cap="sq">
+            <a:ln w="13550" cap="flat">
               <a:solidFill>
                 <a:srgbClr val="FFFFFF">
                   <a:alpha val="100000"/>
@@ -10499,8 +10499,8 @@
           </p:nvSpPr>
           <p:spPr>
             <a:xfrm>
-              <a:off x="4151598" y="2200049"/>
-              <a:ext cx="285055" cy="127451"/>
+              <a:off x="4273799" y="2200049"/>
+              <a:ext cx="295286" cy="127451"/>
             </a:xfrm>
             <a:prstGeom prst="rect">
               <a:avLst/>
@@ -10510,7 +10510,7 @@
                 <a:alpha val="100000"/>
               </a:srgbClr>
             </a:solidFill>
-            <a:ln w="13550" cap="sq">
+            <a:ln w="13550" cap="flat">
               <a:solidFill>
                 <a:srgbClr val="FFFFFF">
                   <a:alpha val="100000"/>
@@ -10534,8 +10534,8 @@
           </p:nvSpPr>
           <p:spPr>
             <a:xfrm>
-              <a:off x="4468327" y="3474562"/>
-              <a:ext cx="285055" cy="1444448"/>
+              <a:off x="4601895" y="3474562"/>
+              <a:ext cx="295286" cy="1444448"/>
             </a:xfrm>
             <a:prstGeom prst="rect">
               <a:avLst/>
@@ -10545,7 +10545,7 @@
                 <a:alpha val="100000"/>
               </a:srgbClr>
             </a:solidFill>
-            <a:ln w="13550" cap="sq">
+            <a:ln w="13550" cap="flat">
               <a:solidFill>
                 <a:srgbClr val="FFFFFF">
                   <a:alpha val="100000"/>
@@ -10569,8 +10569,8 @@
           </p:nvSpPr>
           <p:spPr>
             <a:xfrm>
-              <a:off x="4468327" y="3028482"/>
-              <a:ext cx="285055" cy="446079"/>
+              <a:off x="4601895" y="3028482"/>
+              <a:ext cx="295286" cy="446079"/>
             </a:xfrm>
             <a:prstGeom prst="rect">
               <a:avLst/>
@@ -10580,7 +10580,7 @@
                 <a:alpha val="100000"/>
               </a:srgbClr>
             </a:solidFill>
-            <a:ln w="13550" cap="sq">
+            <a:ln w="13550" cap="flat">
               <a:solidFill>
                 <a:srgbClr val="FFFFFF">
                   <a:alpha val="100000"/>
@@ -10604,8 +10604,8 @@
           </p:nvSpPr>
           <p:spPr>
             <a:xfrm>
-              <a:off x="4468327" y="3028482"/>
-              <a:ext cx="285055" cy="0"/>
+              <a:off x="4601895" y="3028482"/>
+              <a:ext cx="295286" cy="0"/>
             </a:xfrm>
             <a:prstGeom prst="rect">
               <a:avLst/>
@@ -10615,7 +10615,7 @@
                 <a:alpha val="100000"/>
               </a:srgbClr>
             </a:solidFill>
-            <a:ln w="13550" cap="sq">
+            <a:ln w="13550" cap="flat">
               <a:solidFill>
                 <a:srgbClr val="FFFFFF">
                   <a:alpha val="100000"/>
@@ -10639,8 +10639,8 @@
           </p:nvSpPr>
           <p:spPr>
             <a:xfrm>
-              <a:off x="4468327" y="2858547"/>
-              <a:ext cx="285055" cy="169935"/>
+              <a:off x="4601895" y="2858547"/>
+              <a:ext cx="295286" cy="169935"/>
             </a:xfrm>
             <a:prstGeom prst="rect">
               <a:avLst/>
@@ -10650,7 +10650,7 @@
                 <a:alpha val="100000"/>
               </a:srgbClr>
             </a:solidFill>
-            <a:ln w="13550" cap="sq">
+            <a:ln w="13550" cap="flat">
               <a:solidFill>
                 <a:srgbClr val="FFFFFF">
                   <a:alpha val="100000"/>
@@ -10674,8 +10674,8 @@
           </p:nvSpPr>
           <p:spPr>
             <a:xfrm>
-              <a:off x="4468327" y="2858547"/>
-              <a:ext cx="285055" cy="0"/>
+              <a:off x="4601895" y="2858547"/>
+              <a:ext cx="295286" cy="0"/>
             </a:xfrm>
             <a:prstGeom prst="rect">
               <a:avLst/>
@@ -10685,7 +10685,7 @@
                 <a:alpha val="100000"/>
               </a:srgbClr>
             </a:solidFill>
-            <a:ln w="13550" cap="sq">
+            <a:ln w="13550" cap="flat">
               <a:solidFill>
                 <a:srgbClr val="FFFFFF">
                   <a:alpha val="100000"/>
@@ -10709,7 +10709,7 @@
           </p:nvSpPr>
           <p:spPr>
             <a:xfrm>
-              <a:off x="1058645" y="5463533"/>
+              <a:off x="1076833" y="5463533"/>
               <a:ext cx="389780" cy="111397"/>
             </a:xfrm>
             <a:prstGeom prst="rect">
@@ -10755,7 +10755,7 @@
           </p:nvSpPr>
           <p:spPr>
             <a:xfrm>
-              <a:off x="1151886" y="5705546"/>
+              <a:off x="1170074" y="5705546"/>
               <a:ext cx="203299" cy="121890"/>
             </a:xfrm>
             <a:prstGeom prst="rect">
@@ -10801,7 +10801,7 @@
           </p:nvSpPr>
           <p:spPr>
             <a:xfrm>
-              <a:off x="2072175" y="5463533"/>
+              <a:off x="2126740" y="5463533"/>
               <a:ext cx="389780" cy="111397"/>
             </a:xfrm>
             <a:prstGeom prst="rect">
@@ -10847,7 +10847,7 @@
           </p:nvSpPr>
           <p:spPr>
             <a:xfrm>
-              <a:off x="2165416" y="5705546"/>
+              <a:off x="2219980" y="5705546"/>
               <a:ext cx="203299" cy="121890"/>
             </a:xfrm>
             <a:prstGeom prst="rect">
@@ -10893,7 +10893,7 @@
           </p:nvSpPr>
           <p:spPr>
             <a:xfrm>
-              <a:off x="3085705" y="5463533"/>
+              <a:off x="3176646" y="5463533"/>
               <a:ext cx="389780" cy="111397"/>
             </a:xfrm>
             <a:prstGeom prst="rect">
@@ -10939,7 +10939,7 @@
           </p:nvSpPr>
           <p:spPr>
             <a:xfrm>
-              <a:off x="3178946" y="5705546"/>
+              <a:off x="3269887" y="5705546"/>
               <a:ext cx="203299" cy="121890"/>
             </a:xfrm>
             <a:prstGeom prst="rect">
@@ -10985,7 +10985,7 @@
           </p:nvSpPr>
           <p:spPr>
             <a:xfrm>
-              <a:off x="4099236" y="5463533"/>
+              <a:off x="4226552" y="5463533"/>
               <a:ext cx="389780" cy="111397"/>
             </a:xfrm>
             <a:prstGeom prst="rect">
@@ -11031,7 +11031,7 @@
           </p:nvSpPr>
           <p:spPr>
             <a:xfrm>
-              <a:off x="4192476" y="5705546"/>
+              <a:off x="4319793" y="5705546"/>
               <a:ext cx="203299" cy="121890"/>
             </a:xfrm>
             <a:prstGeom prst="rect">
@@ -11077,7 +11077,7 @@
           </p:nvSpPr>
           <p:spPr>
             <a:xfrm rot="-2700000">
-              <a:off x="778173" y="5034669"/>
+              <a:off x="784993" y="5034669"/>
               <a:ext cx="237157" cy="139377"/>
             </a:xfrm>
             <a:prstGeom prst="rect">
@@ -11123,7 +11123,7 @@
           </p:nvSpPr>
           <p:spPr>
             <a:xfrm rot="-2700000">
-              <a:off x="1041980" y="5060059"/>
+              <a:off x="1060168" y="5060059"/>
               <a:ext cx="287908" cy="141163"/>
             </a:xfrm>
             <a:prstGeom prst="rect">
@@ -11169,7 +11169,7 @@
           </p:nvSpPr>
           <p:spPr>
             <a:xfrm rot="-2700000">
-              <a:off x="1412862" y="5063470"/>
+              <a:off x="1442418" y="5063470"/>
               <a:ext cx="245715" cy="110951"/>
             </a:xfrm>
             <a:prstGeom prst="rect">
@@ -11215,7 +11215,7 @@
           </p:nvSpPr>
           <p:spPr>
             <a:xfrm rot="-2700000">
-              <a:off x="1845379" y="5041962"/>
+              <a:off x="1888575" y="5041962"/>
               <a:ext cx="194816" cy="110951"/>
             </a:xfrm>
             <a:prstGeom prst="rect">
@@ -11261,7 +11261,7 @@
           </p:nvSpPr>
           <p:spPr>
             <a:xfrm rot="-2700000">
-              <a:off x="2072761" y="5056665"/>
+              <a:off x="2127325" y="5056665"/>
               <a:ext cx="271164" cy="141163"/>
             </a:xfrm>
             <a:prstGeom prst="rect">
@@ -11307,7 +11307,7 @@
           </p:nvSpPr>
           <p:spPr>
             <a:xfrm rot="-2700000">
-              <a:off x="2389463" y="5056601"/>
+              <a:off x="2455394" y="5056601"/>
               <a:ext cx="271164" cy="141237"/>
             </a:xfrm>
             <a:prstGeom prst="rect">
@@ -11353,7 +11353,7 @@
           </p:nvSpPr>
           <p:spPr>
             <a:xfrm rot="-2700000">
-              <a:off x="2814676" y="5068429"/>
+              <a:off x="2894248" y="5068429"/>
               <a:ext cx="237083" cy="112886"/>
             </a:xfrm>
             <a:prstGeom prst="rect">
@@ -11399,7 +11399,7 @@
           </p:nvSpPr>
           <p:spPr>
             <a:xfrm rot="-2700000">
-              <a:off x="3097152" y="5088140"/>
+              <a:off x="3188093" y="5088140"/>
               <a:ext cx="271016" cy="110876"/>
             </a:xfrm>
             <a:prstGeom prst="rect">
@@ -11445,7 +11445,7 @@
           </p:nvSpPr>
           <p:spPr>
             <a:xfrm rot="-2700000">
-              <a:off x="3413880" y="5088140"/>
+              <a:off x="3516188" y="5088140"/>
               <a:ext cx="271016" cy="110876"/>
             </a:xfrm>
             <a:prstGeom prst="rect">
@@ -11491,7 +11491,7 @@
           </p:nvSpPr>
           <p:spPr>
             <a:xfrm rot="-2700000">
-              <a:off x="3819996" y="5081377"/>
+              <a:off x="3935945" y="5081377"/>
               <a:ext cx="245715" cy="110951"/>
             </a:xfrm>
             <a:prstGeom prst="rect">
@@ -11537,7 +11537,7 @@
           </p:nvSpPr>
           <p:spPr>
             <a:xfrm rot="-2700000">
-              <a:off x="4119346" y="5090399"/>
+              <a:off x="4246663" y="5090399"/>
               <a:ext cx="262607" cy="110876"/>
             </a:xfrm>
             <a:prstGeom prst="rect">
@@ -11583,7 +11583,7 @@
           </p:nvSpPr>
           <p:spPr>
             <a:xfrm rot="-2700000">
-              <a:off x="4436228" y="5090320"/>
+              <a:off x="4574912" y="5090320"/>
               <a:ext cx="262458" cy="110876"/>
             </a:xfrm>
             <a:prstGeom prst="rect">
@@ -11767,8 +11767,8 @@
           </p:nvSpPr>
           <p:spPr>
             <a:xfrm>
-              <a:off x="4940069" y="1793776"/>
-              <a:ext cx="1772886" cy="3933976"/>
+              <a:off x="5085574" y="1793776"/>
+              <a:ext cx="1627381" cy="3899181"/>
             </a:xfrm>
             <a:prstGeom prst="rect">
               <a:avLst/>
@@ -11788,8 +11788,8 @@
           </p:nvSpPr>
           <p:spPr>
             <a:xfrm>
-              <a:off x="4940069" y="1793776"/>
-              <a:ext cx="1772886" cy="3933976"/>
+              <a:off x="5085574" y="1793776"/>
+              <a:ext cx="1627381" cy="3899181"/>
             </a:xfrm>
             <a:prstGeom prst="rect">
               <a:avLst/>
@@ -11809,7 +11809,7 @@
           </p:nvSpPr>
           <p:spPr>
             <a:xfrm>
-              <a:off x="5009658" y="2040883"/>
+              <a:off x="5085574" y="2075677"/>
               <a:ext cx="219455" cy="219456"/>
             </a:xfrm>
             <a:prstGeom prst="rect">
@@ -11830,7 +11830,7 @@
           </p:nvSpPr>
           <p:spPr>
             <a:xfrm>
-              <a:off x="5018658" y="2049883"/>
+              <a:off x="5094574" y="2084677"/>
               <a:ext cx="201456" cy="201455"/>
             </a:xfrm>
             <a:prstGeom prst="rect">
@@ -11841,7 +11841,7 @@
                 <a:alpha val="100000"/>
               </a:srgbClr>
             </a:solidFill>
-            <a:ln w="13550" cap="sq">
+            <a:ln w="13550" cap="flat">
               <a:solidFill>
                 <a:srgbClr val="FFFFFF">
                   <a:alpha val="100000"/>
@@ -11865,7 +11865,7 @@
           </p:nvSpPr>
           <p:spPr>
             <a:xfrm>
-              <a:off x="5009658" y="2890339"/>
+              <a:off x="5085574" y="2925133"/>
               <a:ext cx="219455" cy="219456"/>
             </a:xfrm>
             <a:prstGeom prst="rect">
@@ -11886,7 +11886,7 @@
           </p:nvSpPr>
           <p:spPr>
             <a:xfrm>
-              <a:off x="5018658" y="2899339"/>
+              <a:off x="5094574" y="2934133"/>
               <a:ext cx="201456" cy="201455"/>
             </a:xfrm>
             <a:prstGeom prst="rect">
@@ -11897,7 +11897,7 @@
                 <a:alpha val="100000"/>
               </a:srgbClr>
             </a:solidFill>
-            <a:ln w="13550" cap="sq">
+            <a:ln w="13550" cap="flat">
               <a:solidFill>
                 <a:srgbClr val="FFFFFF">
                   <a:alpha val="100000"/>
@@ -11921,8 +11921,8 @@
           </p:nvSpPr>
           <p:spPr>
             <a:xfrm>
-              <a:off x="5009658" y="3739795"/>
-              <a:ext cx="219455" cy="219455"/>
+              <a:off x="5085574" y="3774589"/>
+              <a:ext cx="219455" cy="219456"/>
             </a:xfrm>
             <a:prstGeom prst="rect">
               <a:avLst/>
@@ -11942,8 +11942,8 @@
           </p:nvSpPr>
           <p:spPr>
             <a:xfrm>
-              <a:off x="5018658" y="3748795"/>
-              <a:ext cx="201456" cy="201456"/>
+              <a:off x="5094574" y="3783589"/>
+              <a:ext cx="201456" cy="201455"/>
             </a:xfrm>
             <a:prstGeom prst="rect">
               <a:avLst/>
@@ -11953,7 +11953,7 @@
                 <a:alpha val="100000"/>
               </a:srgbClr>
             </a:solidFill>
-            <a:ln w="13550" cap="sq">
+            <a:ln w="13550" cap="flat">
               <a:solidFill>
                 <a:srgbClr val="FFFFFF">
                   <a:alpha val="100000"/>
@@ -11977,8 +11977,8 @@
           </p:nvSpPr>
           <p:spPr>
             <a:xfrm>
-              <a:off x="5009658" y="4589251"/>
-              <a:ext cx="219455" cy="219456"/>
+              <a:off x="5085574" y="4624045"/>
+              <a:ext cx="219455" cy="219455"/>
             </a:xfrm>
             <a:prstGeom prst="rect">
               <a:avLst/>
@@ -11998,8 +11998,8 @@
           </p:nvSpPr>
           <p:spPr>
             <a:xfrm>
-              <a:off x="5018658" y="4598251"/>
-              <a:ext cx="201456" cy="201455"/>
+              <a:off x="5094574" y="4633045"/>
+              <a:ext cx="201456" cy="201456"/>
             </a:xfrm>
             <a:prstGeom prst="rect">
               <a:avLst/>
@@ -12009,7 +12009,7 @@
                 <a:alpha val="100000"/>
               </a:srgbClr>
             </a:solidFill>
-            <a:ln w="13550" cap="sq">
+            <a:ln w="13550" cap="flat">
               <a:solidFill>
                 <a:srgbClr val="FFFFFF">
                   <a:alpha val="100000"/>
@@ -12033,7 +12033,7 @@
           </p:nvSpPr>
           <p:spPr>
             <a:xfrm>
-              <a:off x="5009658" y="5438707"/>
+              <a:off x="5085574" y="5473501"/>
               <a:ext cx="219455" cy="219455"/>
             </a:xfrm>
             <a:prstGeom prst="rect">
@@ -12054,8 +12054,8 @@
           </p:nvSpPr>
           <p:spPr>
             <a:xfrm>
-              <a:off x="5018658" y="5447707"/>
-              <a:ext cx="201456" cy="201456"/>
+              <a:off x="5094574" y="5482501"/>
+              <a:ext cx="201456" cy="201455"/>
             </a:xfrm>
             <a:prstGeom prst="rect">
               <a:avLst/>
@@ -12065,7 +12065,7 @@
                 <a:alpha val="100000"/>
               </a:srgbClr>
             </a:solidFill>
-            <a:ln w="13550" cap="sq">
+            <a:ln w="13550" cap="flat">
               <a:solidFill>
                 <a:srgbClr val="FFFFFF">
                   <a:alpha val="100000"/>
@@ -12089,7 +12089,7 @@
           </p:nvSpPr>
           <p:spPr>
             <a:xfrm>
-              <a:off x="5305030" y="2062133"/>
+              <a:off x="5374619" y="2096927"/>
               <a:ext cx="1118145" cy="143023"/>
             </a:xfrm>
             <a:prstGeom prst="rect">
@@ -12135,7 +12135,7 @@
           </p:nvSpPr>
           <p:spPr>
             <a:xfrm>
-              <a:off x="5305030" y="2911589"/>
+              <a:off x="5374619" y="2946383"/>
               <a:ext cx="1338336" cy="143023"/>
             </a:xfrm>
             <a:prstGeom prst="rect">
@@ -12181,7 +12181,7 @@
           </p:nvSpPr>
           <p:spPr>
             <a:xfrm>
-              <a:off x="5305030" y="3761045"/>
+              <a:off x="5374619" y="3795839"/>
               <a:ext cx="1117922" cy="143023"/>
             </a:xfrm>
             <a:prstGeom prst="rect">
@@ -12227,7 +12227,7 @@
           </p:nvSpPr>
           <p:spPr>
             <a:xfrm>
-              <a:off x="5305030" y="4610501"/>
+              <a:off x="5374619" y="4645295"/>
               <a:ext cx="1151855" cy="143023"/>
             </a:xfrm>
             <a:prstGeom prst="rect">
@@ -12273,7 +12273,7 @@
           </p:nvSpPr>
           <p:spPr>
             <a:xfrm>
-              <a:off x="5305030" y="5459957"/>
+              <a:off x="5374619" y="5494751"/>
               <a:ext cx="1151929" cy="143023"/>
             </a:xfrm>
             <a:prstGeom prst="rect">
@@ -13439,6 +13439,21 @@
 </file>
 
 <file path=customXml/item1.xml><?xml version="1.0" encoding="utf-8"?>
+<?mso-contentType ?>
+<FormTemplates xmlns="http://schemas.microsoft.com/sharepoint/v3/contenttype/forms">
+  <Display>DocumentLibraryForm</Display>
+  <Edit>DocumentLibraryForm</Edit>
+  <New>DocumentLibraryForm</New>
+</FormTemplates>
+</file>
+
+<file path=customXml/item2.xml><?xml version="1.0" encoding="utf-8"?>
+<p:properties xmlns:p="http://schemas.microsoft.com/office/2006/metadata/properties" xmlns:xsi="http://www.w3.org/2001/XMLSchema-instance" xmlns:pc="http://schemas.microsoft.com/office/infopath/2007/PartnerControls">
+  <documentManagement/>
+</p:properties>
+</file>
+
+<file path=customXml/item3.xml><?xml version="1.0" encoding="utf-8"?>
 <ct:contentTypeSchema xmlns:ct="http://schemas.microsoft.com/office/2006/metadata/contentType" xmlns:ma="http://schemas.microsoft.com/office/2006/metadata/properties/metaAttributes" ct:_="" ma:_="" ma:contentTypeName="Document" ma:contentTypeID="0x01010077A71171D920F84EA61D01A688B27E19" ma:contentTypeVersion="12" ma:contentTypeDescription="Create a new document." ma:contentTypeScope="" ma:versionID="77163b69060b889c999f197c07fa55cb">
   <xsd:schema xmlns:xsd="http://www.w3.org/2001/XMLSchema" xmlns:xs="http://www.w3.org/2001/XMLSchema" xmlns:p="http://schemas.microsoft.com/office/2006/metadata/properties" xmlns:ns3="4a911788-1229-46fe-9788-503fff6773af" xmlns:ns4="be1ab068-95ae-4084-b4d0-9bc2d42a8063" targetNamespace="http://schemas.microsoft.com/office/2006/metadata/properties" ma:root="true" ma:fieldsID="20541d3c3ddc7e7a03d4e8725bf99a9a" ns3:_="" ns4:_="">
     <xsd:import namespace="4a911788-1229-46fe-9788-503fff6773af"/>
@@ -13655,22 +13670,32 @@
 </ct:contentTypeSchema>
 </file>
 
-<file path=customXml/item2.xml><?xml version="1.0" encoding="utf-8"?>
-<p:properties xmlns:p="http://schemas.microsoft.com/office/2006/metadata/properties" xmlns:xsi="http://www.w3.org/2001/XMLSchema-instance" xmlns:pc="http://schemas.microsoft.com/office/infopath/2007/PartnerControls">
-  <documentManagement/>
-</p:properties>
+<file path=customXml/itemProps1.xml><?xml version="1.0" encoding="utf-8"?>
+<ds:datastoreItem xmlns:ds="http://schemas.openxmlformats.org/officeDocument/2006/customXml" ds:itemID="{E4FA02DB-BD1E-4C7E-B357-5D52E030251B}">
+  <ds:schemaRefs>
+    <ds:schemaRef ds:uri="http://schemas.microsoft.com/sharepoint/v3/contenttype/forms"/>
+  </ds:schemaRefs>
+</ds:datastoreItem>
 </file>
 
-<file path=customXml/item3.xml><?xml version="1.0" encoding="utf-8"?>
-<?mso-contentType ?>
-<FormTemplates xmlns="http://schemas.microsoft.com/sharepoint/v3/contenttype/forms">
-  <Display>DocumentLibraryForm</Display>
-  <Edit>DocumentLibraryForm</Edit>
-  <New>DocumentLibraryForm</New>
-</FormTemplates>
+<file path=customXml/itemProps2.xml><?xml version="1.0" encoding="utf-8"?>
+<ds:datastoreItem xmlns:ds="http://schemas.openxmlformats.org/officeDocument/2006/customXml" ds:itemID="{077F80A1-9A71-4396-8E11-C39E1AC20735}">
+  <ds:schemaRefs>
+    <ds:schemaRef ds:uri="http://purl.org/dc/terms/"/>
+    <ds:schemaRef ds:uri="4a911788-1229-46fe-9788-503fff6773af"/>
+    <ds:schemaRef ds:uri="http://schemas.microsoft.com/office/2006/documentManagement/types"/>
+    <ds:schemaRef ds:uri="be1ab068-95ae-4084-b4d0-9bc2d42a8063"/>
+    <ds:schemaRef ds:uri="http://purl.org/dc/elements/1.1/"/>
+    <ds:schemaRef ds:uri="http://schemas.microsoft.com/office/2006/metadata/properties"/>
+    <ds:schemaRef ds:uri="http://schemas.microsoft.com/office/infopath/2007/PartnerControls"/>
+    <ds:schemaRef ds:uri="http://schemas.openxmlformats.org/package/2006/metadata/core-properties"/>
+    <ds:schemaRef ds:uri="http://www.w3.org/XML/1998/namespace"/>
+    <ds:schemaRef ds:uri="http://purl.org/dc/dcmitype/"/>
+  </ds:schemaRefs>
+</ds:datastoreItem>
 </file>
 
-<file path=customXml/itemProps1.xml><?xml version="1.0" encoding="utf-8"?>
+<file path=customXml/itemProps3.xml><?xml version="1.0" encoding="utf-8"?>
 <ds:datastoreItem xmlns:ds="http://schemas.openxmlformats.org/officeDocument/2006/customXml" ds:itemID="{0D0ABFE7-103E-40F0-BEF6-6C375A209ED5}">
   <ds:schemaRefs>
     <ds:schemaRef ds:uri="http://schemas.microsoft.com/office/2006/metadata/contentType"/>
@@ -13687,29 +13712,4 @@
     <ds:schemaRef ds:uri="http://schemas.microsoft.com/internal/obd"/>
   </ds:schemaRefs>
 </ds:datastoreItem>
-</file>
-
-<file path=customXml/itemProps2.xml><?xml version="1.0" encoding="utf-8"?>
-<ds:datastoreItem xmlns:ds="http://schemas.openxmlformats.org/officeDocument/2006/customXml" ds:itemID="{077F80A1-9A71-4396-8E11-C39E1AC20735}">
-  <ds:schemaRefs>
-    <ds:schemaRef ds:uri="http://schemas.microsoft.com/office/infopath/2007/PartnerControls"/>
-    <ds:schemaRef ds:uri="http://schemas.microsoft.com/office/2006/documentManagement/types"/>
-    <ds:schemaRef ds:uri="http://purl.org/dc/elements/1.1/"/>
-    <ds:schemaRef ds:uri="http://schemas.microsoft.com/office/2006/metadata/properties"/>
-    <ds:schemaRef ds:uri="http://purl.org/dc/terms/"/>
-    <ds:schemaRef ds:uri="4a911788-1229-46fe-9788-503fff6773af"/>
-    <ds:schemaRef ds:uri="http://purl.org/dc/dcmitype/"/>
-    <ds:schemaRef ds:uri="http://schemas.openxmlformats.org/package/2006/metadata/core-properties"/>
-    <ds:schemaRef ds:uri="be1ab068-95ae-4084-b4d0-9bc2d42a8063"/>
-    <ds:schemaRef ds:uri="http://www.w3.org/XML/1998/namespace"/>
-  </ds:schemaRefs>
-</ds:datastoreItem>
-</file>
-
-<file path=customXml/itemProps3.xml><?xml version="1.0" encoding="utf-8"?>
-<ds:datastoreItem xmlns:ds="http://schemas.openxmlformats.org/officeDocument/2006/customXml" ds:itemID="{E4FA02DB-BD1E-4C7E-B357-5D52E030251B}">
-  <ds:schemaRefs>
-    <ds:schemaRef ds:uri="http://schemas.microsoft.com/sharepoint/v3/contenttype/forms"/>
-  </ds:schemaRefs>
-</ds:datastoreItem>
 </file>